--- a/Unicorn Companies.pptx
+++ b/Unicorn Companies.pptx
@@ -107,6 +107,11 @@
       </a:defRPr>
     </a:lvl9pPr>
   </p:defaultTextStyle>
+  <p:extLst>
+    <p:ext uri="{EFAFB233-063F-42B5-8137-9DF3F51BA10A}">
+      <p15:sldGuideLst xmlns:p15="http://schemas.microsoft.com/office/powerpoint/2012/main"/>
+    </p:ext>
+  </p:extLst>
 </p:presentation>
 </file>
 
@@ -3482,7 +3487,7 @@
             </a:pPr>
             <a:r>
               <a:rPr lang="en-US" sz="2400" i="1" dirty="0"/>
-              <a:t>The Unicorn dataset has 1074 records of companies across different industries (Artificial intelligence, Auto &amp; transportation, Consumer &amp; retail, Cybersecurity, Data management &amp; analytics, E-commerce &amp; direct-to-consumer, Edtech, Fintech, Hardware, Health, Internet software &amp; services, Mobile &amp; telecommunications, Travel, Supply chain, logistics &amp; delivery and others). Details about their </a:t>
+              <a:t>The Unicorn dataset has 1074 records of companies across the different continents and across different industries (Artificial intelligence, Auto &amp; transportation, Consumer &amp; retail, Cybersecurity, Data management &amp; analytics, E-commerce &amp; direct-to-consumer, Edtech, Fintech, Hardware, Health, Internet software &amp; services, Mobile &amp; telecommunications, Travel, Supply chain, logistics &amp; delivery and others). Details about their </a:t>
             </a:r>
             <a:r>
               <a:rPr lang="en-US" sz="2400" b="0" i="1" u="none" strike="noStrike" dirty="0">
@@ -3830,7 +3835,7 @@
           <a:p>
             <a:r>
               <a:rPr lang="en-US" sz="1800" dirty="0"/>
-              <a:t>Business can also consider expanding their operations to San Francisco as it is a city with the highest number of unicorns in the dataset</a:t>
+              <a:t>Businesses can also consider expanding their operations to San Francisco as it is a city with the highest number of unicorns in the dataset</a:t>
             </a:r>
           </a:p>
           <a:p>
